--- a/docs/L9-flash.pptx
+++ b/docs/L9-flash.pptx
@@ -5616,7 +5616,7 @@
           <a:p>
             <a:r>
               <a:rPr lang="en-US" sz="3000" dirty="0"/>
-              <a:t>Lecture 8</a:t>
+              <a:t>Lecture 9</a:t>
             </a:r>
           </a:p>
           <a:p>
@@ -8306,7 +8306,7 @@
         </p:nvGraphicFramePr>
         <p:xfrm>
           <a:off x="489856" y="2122708"/>
-          <a:ext cx="5617030" cy="4063954"/>
+          <a:ext cx="5617030" cy="3918859"/>
         </p:xfrm>
         <a:graphic>
           <a:graphicData uri="http://schemas.openxmlformats.org/drawingml/2006/table">
@@ -9211,7 +9211,7 @@
         </p:nvGraphicFramePr>
         <p:xfrm>
           <a:off x="489856" y="2122708"/>
-          <a:ext cx="8294912" cy="4063954"/>
+          <a:ext cx="8294912" cy="3918859"/>
         </p:xfrm>
         <a:graphic>
           <a:graphicData uri="http://schemas.openxmlformats.org/drawingml/2006/table">
@@ -10512,7 +10512,7 @@
           <a:lstStyle/>
           <a:p>
             <a:r>
-              <a:rPr lang="en-US">
+              <a:rPr lang="en-US" dirty="0">
                 <a:latin typeface="Arial" charset="0"/>
                 <a:ea typeface="Arial" charset="0"/>
                 <a:cs typeface="Arial" charset="0"/>
